--- a/5_semantics.pptx
+++ b/5_semantics.pptx
@@ -6806,7 +6806,7 @@
               <a:lstStyle/>
               <a:p>
                 <a:r>
-                  <a:rPr lang="en-NL">
+                  <a:rPr lang="en-DE">
                     <a:noFill/>
                   </a:rPr>
                   <a:t> </a:t>
@@ -7855,8 +7855,8 @@
           </a:p>
         </p:txBody>
       </p:sp>
-      <mc:AlternateContent xmlns:mc="http://schemas.openxmlformats.org/markup-compatibility/2006">
-        <mc:Choice xmlns:a14="http://schemas.microsoft.com/office/drawing/2010/main" Requires="a14">
+      <mc:AlternateContent xmlns:mc="http://schemas.openxmlformats.org/markup-compatibility/2006" xmlns:a14="http://schemas.microsoft.com/office/drawing/2010/main">
+        <mc:Choice Requires="a14">
           <p:sp>
             <p:nvSpPr>
               <p:cNvPr id="3" name="Content Placeholder 2">
@@ -8404,7 +8404,7 @@
             </p:txBody>
           </p:sp>
         </mc:Choice>
-        <mc:Fallback>
+        <mc:Fallback xmlns="">
           <p:sp>
             <p:nvSpPr>
               <p:cNvPr id="3" name="Content Placeholder 2">
@@ -9829,8 +9829,8 @@
             <a:chExt cx="1252643" cy="1119533"/>
           </a:xfrm>
         </p:grpSpPr>
-        <mc:AlternateContent xmlns:mc="http://schemas.openxmlformats.org/markup-compatibility/2006">
-          <mc:Choice xmlns:a14="http://schemas.microsoft.com/office/drawing/2010/main" Requires="a14">
+        <mc:AlternateContent xmlns:mc="http://schemas.openxmlformats.org/markup-compatibility/2006" xmlns:a14="http://schemas.microsoft.com/office/drawing/2010/main">
+          <mc:Choice Requires="a14">
             <p:sp>
               <p:nvSpPr>
                 <p:cNvPr id="53" name="TextBox 52">
@@ -9880,7 +9880,7 @@
               </p:txBody>
             </p:sp>
           </mc:Choice>
-          <mc:Fallback>
+          <mc:Fallback xmlns="">
             <p:sp>
               <p:nvSpPr>
                 <p:cNvPr id="53" name="TextBox 52">
@@ -10030,8 +10030,8 @@
             </p:style>
           </p:cxnSp>
         </p:grpSp>
-        <mc:AlternateContent xmlns:mc="http://schemas.openxmlformats.org/markup-compatibility/2006">
-          <mc:Choice xmlns:a14="http://schemas.microsoft.com/office/drawing/2010/main" Requires="a14">
+        <mc:AlternateContent xmlns:mc="http://schemas.openxmlformats.org/markup-compatibility/2006" xmlns:a14="http://schemas.microsoft.com/office/drawing/2010/main">
+          <mc:Choice Requires="a14">
             <p:sp>
               <p:nvSpPr>
                 <p:cNvPr id="61" name="TextBox 60">
@@ -10081,7 +10081,7 @@
               </p:txBody>
             </p:sp>
           </mc:Choice>
-          <mc:Fallback>
+          <mc:Fallback xmlns="">
             <p:sp>
               <p:nvSpPr>
                 <p:cNvPr id="61" name="TextBox 60">
@@ -10126,8 +10126,8 @@
             </p:sp>
           </mc:Fallback>
         </mc:AlternateContent>
-        <mc:AlternateContent xmlns:mc="http://schemas.openxmlformats.org/markup-compatibility/2006">
-          <mc:Choice xmlns:a14="http://schemas.microsoft.com/office/drawing/2010/main" Requires="a14">
+        <mc:AlternateContent xmlns:mc="http://schemas.openxmlformats.org/markup-compatibility/2006" xmlns:a14="http://schemas.microsoft.com/office/drawing/2010/main">
+          <mc:Choice Requires="a14">
             <p:sp>
               <p:nvSpPr>
                 <p:cNvPr id="62" name="TextBox 61">
@@ -10177,7 +10177,7 @@
               </p:txBody>
             </p:sp>
           </mc:Choice>
-          <mc:Fallback>
+          <mc:Fallback xmlns="">
             <p:sp>
               <p:nvSpPr>
                 <p:cNvPr id="62" name="TextBox 61">
@@ -10265,8 +10265,8 @@
             </a:fontRef>
           </p:style>
         </p:cxnSp>
-        <mc:AlternateContent xmlns:mc="http://schemas.openxmlformats.org/markup-compatibility/2006">
-          <mc:Choice xmlns:a14="http://schemas.microsoft.com/office/drawing/2010/main" Requires="a14">
+        <mc:AlternateContent xmlns:mc="http://schemas.openxmlformats.org/markup-compatibility/2006" xmlns:a14="http://schemas.microsoft.com/office/drawing/2010/main">
+          <mc:Choice Requires="a14">
             <p:sp>
               <p:nvSpPr>
                 <p:cNvPr id="64" name="TextBox 63">
@@ -10316,7 +10316,7 @@
               </p:txBody>
             </p:sp>
           </mc:Choice>
-          <mc:Fallback>
+          <mc:Fallback xmlns="">
             <p:sp>
               <p:nvSpPr>
                 <p:cNvPr id="64" name="TextBox 63">
@@ -11374,8 +11374,8 @@
             </a:fontRef>
           </p:style>
         </p:cxnSp>
-        <mc:AlternateContent xmlns:mc="http://schemas.openxmlformats.org/markup-compatibility/2006">
-          <mc:Choice xmlns:a14="http://schemas.microsoft.com/office/drawing/2010/main" Requires="a14">
+        <mc:AlternateContent xmlns:mc="http://schemas.openxmlformats.org/markup-compatibility/2006" xmlns:a14="http://schemas.microsoft.com/office/drawing/2010/main">
+          <mc:Choice Requires="a14">
             <p:sp>
               <p:nvSpPr>
                 <p:cNvPr id="17" name="TextBox 16">
@@ -11425,7 +11425,7 @@
               </p:txBody>
             </p:sp>
           </mc:Choice>
-          <mc:Fallback>
+          <mc:Fallback xmlns="">
             <p:sp>
               <p:nvSpPr>
                 <p:cNvPr id="17" name="TextBox 16">
@@ -11584,8 +11584,8 @@
             </a:fontRef>
           </p:style>
         </p:cxnSp>
-        <mc:AlternateContent xmlns:mc="http://schemas.openxmlformats.org/markup-compatibility/2006">
-          <mc:Choice xmlns:a14="http://schemas.microsoft.com/office/drawing/2010/main" Requires="a14">
+        <mc:AlternateContent xmlns:mc="http://schemas.openxmlformats.org/markup-compatibility/2006" xmlns:a14="http://schemas.microsoft.com/office/drawing/2010/main">
+          <mc:Choice Requires="a14">
             <p:sp>
               <p:nvSpPr>
                 <p:cNvPr id="21" name="TextBox 20">
@@ -11635,7 +11635,7 @@
               </p:txBody>
             </p:sp>
           </mc:Choice>
-          <mc:Fallback>
+          <mc:Fallback xmlns="">
             <p:sp>
               <p:nvSpPr>
                 <p:cNvPr id="21" name="TextBox 20">
@@ -12120,8 +12120,8 @@
             <a:chExt cx="1252643" cy="1119533"/>
           </a:xfrm>
         </p:grpSpPr>
-        <mc:AlternateContent xmlns:mc="http://schemas.openxmlformats.org/markup-compatibility/2006">
-          <mc:Choice xmlns:a14="http://schemas.microsoft.com/office/drawing/2010/main" Requires="a14">
+        <mc:AlternateContent xmlns:mc="http://schemas.openxmlformats.org/markup-compatibility/2006" xmlns:a14="http://schemas.microsoft.com/office/drawing/2010/main">
+          <mc:Choice Requires="a14">
             <p:sp>
               <p:nvSpPr>
                 <p:cNvPr id="4" name="TextBox 3">
@@ -12171,7 +12171,7 @@
               </p:txBody>
             </p:sp>
           </mc:Choice>
-          <mc:Fallback>
+          <mc:Fallback xmlns="">
             <p:sp>
               <p:nvSpPr>
                 <p:cNvPr id="4" name="TextBox 3">
@@ -12321,8 +12321,8 @@
             </p:style>
           </p:cxnSp>
         </p:grpSp>
-        <mc:AlternateContent xmlns:mc="http://schemas.openxmlformats.org/markup-compatibility/2006">
-          <mc:Choice xmlns:a14="http://schemas.microsoft.com/office/drawing/2010/main" Requires="a14">
+        <mc:AlternateContent xmlns:mc="http://schemas.openxmlformats.org/markup-compatibility/2006" xmlns:a14="http://schemas.microsoft.com/office/drawing/2010/main">
+          <mc:Choice Requires="a14">
             <p:sp>
               <p:nvSpPr>
                 <p:cNvPr id="8" name="TextBox 7">
@@ -12372,7 +12372,7 @@
               </p:txBody>
             </p:sp>
           </mc:Choice>
-          <mc:Fallback>
+          <mc:Fallback xmlns="">
             <p:sp>
               <p:nvSpPr>
                 <p:cNvPr id="8" name="TextBox 7">
@@ -12417,8 +12417,8 @@
             </p:sp>
           </mc:Fallback>
         </mc:AlternateContent>
-        <mc:AlternateContent xmlns:mc="http://schemas.openxmlformats.org/markup-compatibility/2006">
-          <mc:Choice xmlns:a14="http://schemas.microsoft.com/office/drawing/2010/main" Requires="a14">
+        <mc:AlternateContent xmlns:mc="http://schemas.openxmlformats.org/markup-compatibility/2006" xmlns:a14="http://schemas.microsoft.com/office/drawing/2010/main">
+          <mc:Choice Requires="a14">
             <p:sp>
               <p:nvSpPr>
                 <p:cNvPr id="9" name="TextBox 8">
@@ -12468,7 +12468,7 @@
               </p:txBody>
             </p:sp>
           </mc:Choice>
-          <mc:Fallback>
+          <mc:Fallback xmlns="">
             <p:sp>
               <p:nvSpPr>
                 <p:cNvPr id="9" name="TextBox 8">
